--- a/Labs/week6.pptx
+++ b/Labs/week6.pptx
@@ -256,7 +256,7 @@
           <a:p>
             <a:fld id="{BDD30050-FCF0-4BCD-99C1-868C01D0DB71}" type="datetimeFigureOut">
               <a:rPr lang="zh-CN" altLang="en-US" smtClean="0"/>
-              <a:t>2018/4/9</a:t>
+              <a:t>2018/4/11</a:t>
             </a:fld>
             <a:endParaRPr lang="zh-CN" altLang="en-US"/>
           </a:p>
@@ -424,7 +424,7 @@
           <a:p>
             <a:fld id="{BDD30050-FCF0-4BCD-99C1-868C01D0DB71}" type="datetimeFigureOut">
               <a:rPr lang="zh-CN" altLang="en-US" smtClean="0"/>
-              <a:t>2018/4/9</a:t>
+              <a:t>2018/4/11</a:t>
             </a:fld>
             <a:endParaRPr lang="zh-CN" altLang="en-US"/>
           </a:p>
@@ -602,7 +602,7 @@
           <a:p>
             <a:fld id="{BDD30050-FCF0-4BCD-99C1-868C01D0DB71}" type="datetimeFigureOut">
               <a:rPr lang="zh-CN" altLang="en-US" smtClean="0"/>
-              <a:t>2018/4/9</a:t>
+              <a:t>2018/4/11</a:t>
             </a:fld>
             <a:endParaRPr lang="zh-CN" altLang="en-US"/>
           </a:p>
@@ -770,7 +770,7 @@
           <a:p>
             <a:fld id="{BDD30050-FCF0-4BCD-99C1-868C01D0DB71}" type="datetimeFigureOut">
               <a:rPr lang="zh-CN" altLang="en-US" smtClean="0"/>
-              <a:t>2018/4/9</a:t>
+              <a:t>2018/4/11</a:t>
             </a:fld>
             <a:endParaRPr lang="zh-CN" altLang="en-US"/>
           </a:p>
@@ -1015,7 +1015,7 @@
           <a:p>
             <a:fld id="{BDD30050-FCF0-4BCD-99C1-868C01D0DB71}" type="datetimeFigureOut">
               <a:rPr lang="zh-CN" altLang="en-US" smtClean="0"/>
-              <a:t>2018/4/9</a:t>
+              <a:t>2018/4/11</a:t>
             </a:fld>
             <a:endParaRPr lang="zh-CN" altLang="en-US"/>
           </a:p>
@@ -1244,7 +1244,7 @@
           <a:p>
             <a:fld id="{BDD30050-FCF0-4BCD-99C1-868C01D0DB71}" type="datetimeFigureOut">
               <a:rPr lang="zh-CN" altLang="en-US" smtClean="0"/>
-              <a:t>2018/4/9</a:t>
+              <a:t>2018/4/11</a:t>
             </a:fld>
             <a:endParaRPr lang="zh-CN" altLang="en-US"/>
           </a:p>
@@ -1608,7 +1608,7 @@
           <a:p>
             <a:fld id="{BDD30050-FCF0-4BCD-99C1-868C01D0DB71}" type="datetimeFigureOut">
               <a:rPr lang="zh-CN" altLang="en-US" smtClean="0"/>
-              <a:t>2018/4/9</a:t>
+              <a:t>2018/4/11</a:t>
             </a:fld>
             <a:endParaRPr lang="zh-CN" altLang="en-US"/>
           </a:p>
@@ -1725,7 +1725,7 @@
           <a:p>
             <a:fld id="{BDD30050-FCF0-4BCD-99C1-868C01D0DB71}" type="datetimeFigureOut">
               <a:rPr lang="zh-CN" altLang="en-US" smtClean="0"/>
-              <a:t>2018/4/9</a:t>
+              <a:t>2018/4/11</a:t>
             </a:fld>
             <a:endParaRPr lang="zh-CN" altLang="en-US"/>
           </a:p>
@@ -1820,7 +1820,7 @@
           <a:p>
             <a:fld id="{BDD30050-FCF0-4BCD-99C1-868C01D0DB71}" type="datetimeFigureOut">
               <a:rPr lang="zh-CN" altLang="en-US" smtClean="0"/>
-              <a:t>2018/4/9</a:t>
+              <a:t>2018/4/11</a:t>
             </a:fld>
             <a:endParaRPr lang="zh-CN" altLang="en-US"/>
           </a:p>
@@ -2095,7 +2095,7 @@
           <a:p>
             <a:fld id="{BDD30050-FCF0-4BCD-99C1-868C01D0DB71}" type="datetimeFigureOut">
               <a:rPr lang="zh-CN" altLang="en-US" smtClean="0"/>
-              <a:t>2018/4/9</a:t>
+              <a:t>2018/4/11</a:t>
             </a:fld>
             <a:endParaRPr lang="zh-CN" altLang="en-US"/>
           </a:p>
@@ -2347,7 +2347,7 @@
           <a:p>
             <a:fld id="{BDD30050-FCF0-4BCD-99C1-868C01D0DB71}" type="datetimeFigureOut">
               <a:rPr lang="zh-CN" altLang="en-US" smtClean="0"/>
-              <a:t>2018/4/9</a:t>
+              <a:t>2018/4/11</a:t>
             </a:fld>
             <a:endParaRPr lang="zh-CN" altLang="en-US"/>
           </a:p>
@@ -2558,7 +2558,7 @@
           <a:p>
             <a:fld id="{BDD30050-FCF0-4BCD-99C1-868C01D0DB71}" type="datetimeFigureOut">
               <a:rPr lang="zh-CN" altLang="en-US" smtClean="0"/>
-              <a:t>2018/4/9</a:t>
+              <a:t>2018/4/11</a:t>
             </a:fld>
             <a:endParaRPr lang="zh-CN" altLang="en-US"/>
           </a:p>
@@ -3437,7 +3437,11 @@
             <a:pPr lvl="1"/>
             <a:r>
               <a:rPr lang="zh-CN" altLang="en-US" dirty="0"/>
-              <a:t>进行图片的存取，如每个表项的图片状态保存</a:t>
+              <a:t>进行图片的存取，如每个表项</a:t>
+            </a:r>
+            <a:r>
+              <a:rPr lang="zh-CN" altLang="en-US"/>
+              <a:t>的图片保存</a:t>
             </a:r>
             <a:endParaRPr lang="en-US" altLang="zh-CN" dirty="0"/>
           </a:p>
